--- a/docs/diagrams/LogicComponentClassDiagram.pptx
+++ b/docs/diagrams/LogicComponentClassDiagram.pptx
@@ -2941,9 +2941,14 @@
 <p:sldMaster xmlns:a="http://schemas.openxmlformats.org/drawingml/2006/main" xmlns:r="http://schemas.openxmlformats.org/officeDocument/2006/relationships" xmlns:p="http://schemas.openxmlformats.org/presentationml/2006/main">
   <p:cSld>
     <p:bg>
-      <p:bgRef idx="1001">
-        <a:schemeClr val="bg1"/>
-      </p:bgRef>
+      <p:bgPr>
+        <a:solidFill>
+          <a:schemeClr val="bg1">
+            <a:alpha val="0"/>
+          </a:schemeClr>
+        </a:solidFill>
+        <a:effectLst/>
+      </p:bgPr>
     </p:bg>
     <p:spTree>
       <p:nvGrpSpPr>
@@ -3472,7 +3477,7 @@
         </p:nvSpPr>
         <p:spPr>
           <a:xfrm>
-            <a:off x="1103085" y="228600"/>
+            <a:off x="1484085" y="1066800"/>
             <a:ext cx="6288315" cy="4100967"/>
           </a:xfrm>
           <a:prstGeom prst="roundRect">
@@ -3533,7 +3538,7 @@
         </p:nvSpPr>
         <p:spPr>
           <a:xfrm>
-            <a:off x="2176946" y="1356476"/>
+            <a:off x="2557946" y="2194676"/>
             <a:ext cx="1093635" cy="346760"/>
           </a:xfrm>
           <a:prstGeom prst="rect">
@@ -3592,7 +3597,7 @@
         </p:nvSpPr>
         <p:spPr>
           <a:xfrm flipH="1">
-            <a:off x="6180592" y="339040"/>
+            <a:off x="6561592" y="1177240"/>
             <a:ext cx="1093635" cy="346760"/>
           </a:xfrm>
           <a:prstGeom prst="rect">
@@ -3648,7 +3653,7 @@
         </p:nvSpPr>
         <p:spPr>
           <a:xfrm>
-            <a:off x="2096216" y="2571256"/>
+            <a:off x="2477216" y="3409456"/>
             <a:ext cx="1093635" cy="346760"/>
           </a:xfrm>
           <a:prstGeom prst="rect">
@@ -3709,7 +3714,7 @@
         </p:nvCxnSpPr>
         <p:spPr>
           <a:xfrm rot="10800000">
-            <a:off x="3270582" y="1529856"/>
+            <a:off x="3651582" y="2368056"/>
             <a:ext cx="2296817" cy="1187104"/>
           </a:xfrm>
           <a:prstGeom prst="bentConnector3">
@@ -3750,7 +3755,7 @@
         </p:nvSpPr>
         <p:spPr>
           <a:xfrm rot="5400000" flipV="1">
-            <a:off x="5644386" y="2620848"/>
+            <a:off x="6025386" y="3459048"/>
             <a:ext cx="270504" cy="175523"/>
           </a:xfrm>
           <a:prstGeom prst="triangle">
@@ -3800,7 +3805,7 @@
         </p:nvCxnSpPr>
         <p:spPr>
           <a:xfrm>
-            <a:off x="1757398" y="1526996"/>
+            <a:off x="2138398" y="2365196"/>
             <a:ext cx="419548" cy="2860"/>
           </a:xfrm>
           <a:prstGeom prst="bentConnector3">
@@ -3841,7 +3846,7 @@
         </p:nvSpPr>
         <p:spPr>
           <a:xfrm>
-            <a:off x="1103085" y="4548755"/>
+            <a:off x="1484085" y="5386955"/>
             <a:ext cx="6288315" cy="328045"/>
           </a:xfrm>
           <a:prstGeom prst="roundRect">
@@ -3901,7 +3906,7 @@
         </p:nvSpPr>
         <p:spPr>
           <a:xfrm flipH="1">
-            <a:off x="6180592" y="3082240"/>
+            <a:off x="6561592" y="3920440"/>
             <a:ext cx="1093635" cy="346760"/>
           </a:xfrm>
           <a:prstGeom prst="rect">
@@ -3957,7 +3962,7 @@
         </p:nvSpPr>
         <p:spPr>
           <a:xfrm flipH="1">
-            <a:off x="6180590" y="3860800"/>
+            <a:off x="6561590" y="4699000"/>
             <a:ext cx="1093635" cy="346760"/>
           </a:xfrm>
           <a:prstGeom prst="rect">
@@ -4013,7 +4018,7 @@
         </p:nvSpPr>
         <p:spPr>
           <a:xfrm>
-            <a:off x="4896683" y="2573357"/>
+            <a:off x="5277683" y="3411557"/>
             <a:ext cx="772043" cy="346760"/>
           </a:xfrm>
           <a:prstGeom prst="rect">
@@ -4087,7 +4092,7 @@
         </p:nvCxnSpPr>
         <p:spPr>
           <a:xfrm rot="10800000" flipV="1">
-            <a:off x="5867400" y="512420"/>
+            <a:off x="6248400" y="1350620"/>
             <a:ext cx="313192" cy="2196190"/>
           </a:xfrm>
           <a:prstGeom prst="bentConnector3">
@@ -4130,7 +4135,7 @@
         </p:nvCxnSpPr>
         <p:spPr>
           <a:xfrm>
-            <a:off x="5867400" y="2708610"/>
+            <a:off x="6248400" y="3546810"/>
             <a:ext cx="313190" cy="1325570"/>
           </a:xfrm>
           <a:prstGeom prst="bentConnector3">
@@ -4173,7 +4178,7 @@
         </p:nvCxnSpPr>
         <p:spPr>
           <a:xfrm>
-            <a:off x="5867400" y="2708610"/>
+            <a:off x="6248400" y="3546810"/>
             <a:ext cx="313192" cy="547010"/>
           </a:xfrm>
           <a:prstGeom prst="bentConnector3">
@@ -4213,7 +4218,7 @@
         </p:nvSpPr>
         <p:spPr>
           <a:xfrm>
-            <a:off x="3608826" y="2573795"/>
+            <a:off x="3989826" y="3411995"/>
             <a:ext cx="585450" cy="346760"/>
           </a:xfrm>
           <a:prstGeom prst="rect">
@@ -4275,7 +4280,7 @@
         </p:nvCxnSpPr>
         <p:spPr>
           <a:xfrm>
-            <a:off x="3189851" y="2744636"/>
+            <a:off x="3570851" y="3582836"/>
             <a:ext cx="418975" cy="2539"/>
           </a:xfrm>
           <a:prstGeom prst="bentConnector3">
@@ -4318,7 +4323,7 @@
         </p:nvCxnSpPr>
         <p:spPr>
           <a:xfrm>
-            <a:off x="5282705" y="2920117"/>
+            <a:off x="5663705" y="3758317"/>
             <a:ext cx="0" cy="1628638"/>
           </a:xfrm>
           <a:prstGeom prst="straightConnector1">
@@ -4357,7 +4362,7 @@
         </p:nvSpPr>
         <p:spPr>
           <a:xfrm rot="16200000">
-            <a:off x="1037200" y="1668838"/>
+            <a:off x="1418200" y="2507038"/>
             <a:ext cx="1093635" cy="346760"/>
           </a:xfrm>
           <a:prstGeom prst="rect">
@@ -4427,7 +4432,7 @@
         </p:nvSpPr>
         <p:spPr>
           <a:xfrm>
-            <a:off x="1440037" y="2389036"/>
+            <a:off x="1821037" y="3227236"/>
             <a:ext cx="270504" cy="175523"/>
           </a:xfrm>
           <a:prstGeom prst="triangle">
@@ -4484,7 +4489,7 @@
         </p:nvCxnSpPr>
         <p:spPr>
           <a:xfrm rot="10800000">
-            <a:off x="1575290" y="2564560"/>
+            <a:off x="1956290" y="3402760"/>
             <a:ext cx="520927" cy="180077"/>
           </a:xfrm>
           <a:prstGeom prst="bentConnector2">
@@ -4526,7 +4531,7 @@
         </p:nvCxnSpPr>
         <p:spPr>
           <a:xfrm flipV="1">
-            <a:off x="4194276" y="2746737"/>
+            <a:off x="4575276" y="3584937"/>
             <a:ext cx="702407" cy="438"/>
           </a:xfrm>
           <a:prstGeom prst="straightConnector1">
@@ -4567,7 +4572,7 @@
         </p:nvCxnSpPr>
         <p:spPr>
           <a:xfrm>
-            <a:off x="2643034" y="2918016"/>
+            <a:off x="3024034" y="3756216"/>
             <a:ext cx="0" cy="1640349"/>
           </a:xfrm>
           <a:prstGeom prst="straightConnector1">
@@ -4605,7 +4610,7 @@
         </p:nvCxnSpPr>
         <p:spPr>
           <a:xfrm>
-            <a:off x="974309" y="1792541"/>
+            <a:off x="1355309" y="2630741"/>
             <a:ext cx="419548" cy="2860"/>
           </a:xfrm>
           <a:prstGeom prst="bentConnector3">
@@ -4651,7 +4656,7 @@
         </p:nvCxnSpPr>
         <p:spPr>
           <a:xfrm rot="16200000" flipH="1">
-            <a:off x="3961818" y="1252471"/>
+            <a:off x="4342818" y="2090671"/>
             <a:ext cx="2101" cy="2639671"/>
           </a:xfrm>
           <a:prstGeom prst="bentConnector3">
@@ -4692,7 +4697,7 @@
         </p:nvGrpSpPr>
         <p:grpSpPr>
           <a:xfrm>
-            <a:off x="4188654" y="1677125"/>
+            <a:off x="4569654" y="2515325"/>
             <a:ext cx="889000" cy="230832"/>
             <a:chOff x="2895600" y="807932"/>
             <a:chExt cx="889000" cy="230832"/>
@@ -4792,7 +4797,7 @@
         </p:nvGrpSpPr>
         <p:grpSpPr>
           <a:xfrm>
-            <a:off x="4054514" y="1320004"/>
+            <a:off x="4435514" y="2158204"/>
             <a:ext cx="868568" cy="230832"/>
             <a:chOff x="2755838" y="789460"/>
             <a:chExt cx="868568" cy="230832"/>
@@ -4891,7 +4896,7 @@
         </p:nvSpPr>
         <p:spPr>
           <a:xfrm>
-            <a:off x="3210180" y="2423264"/>
+            <a:off x="3591180" y="3261464"/>
             <a:ext cx="131116" cy="230832"/>
           </a:xfrm>
           <a:prstGeom prst="rect">
@@ -4930,7 +4935,7 @@
         </p:nvSpPr>
         <p:spPr>
           <a:xfrm>
-            <a:off x="3422294" y="2507750"/>
+            <a:off x="3803294" y="3345950"/>
             <a:ext cx="131116" cy="230832"/>
           </a:xfrm>
           <a:prstGeom prst="rect">
@@ -4969,7 +4974,7 @@
         </p:nvGrpSpPr>
         <p:grpSpPr>
           <a:xfrm>
-            <a:off x="4119598" y="2770036"/>
+            <a:off x="4500598" y="3608236"/>
             <a:ext cx="685800" cy="230832"/>
             <a:chOff x="2797314" y="807932"/>
             <a:chExt cx="685800" cy="230832"/>
@@ -5069,7 +5074,7 @@
         </p:nvSpPr>
         <p:spPr>
           <a:xfrm flipH="1">
-            <a:off x="6185390" y="3458098"/>
+            <a:off x="6566390" y="4296298"/>
             <a:ext cx="1093635" cy="346760"/>
           </a:xfrm>
           <a:prstGeom prst="rect">
@@ -5143,7 +5148,7 @@
         </p:nvCxnSpPr>
         <p:spPr>
           <a:xfrm>
-            <a:off x="5867400" y="2708610"/>
+            <a:off x="6248400" y="3546810"/>
             <a:ext cx="317990" cy="922868"/>
           </a:xfrm>
           <a:prstGeom prst="bentConnector3">
@@ -5183,7 +5188,7 @@
         </p:nvCxnSpPr>
         <p:spPr>
           <a:xfrm rot="5400000" flipH="1" flipV="1">
-            <a:off x="1888194" y="2123408"/>
+            <a:off x="2269194" y="2961608"/>
             <a:ext cx="882304" cy="12700"/>
           </a:xfrm>
           <a:prstGeom prst="bentConnector3">
@@ -5224,7 +5229,7 @@
         </p:nvSpPr>
         <p:spPr>
           <a:xfrm>
-            <a:off x="3128998" y="1991286"/>
+            <a:off x="3509998" y="2829486"/>
             <a:ext cx="751107" cy="346760"/>
           </a:xfrm>
           <a:prstGeom prst="rect">
@@ -5298,7 +5303,7 @@
         </p:nvCxnSpPr>
         <p:spPr>
           <a:xfrm flipV="1">
-            <a:off x="3662398" y="2319508"/>
+            <a:off x="4043398" y="3157708"/>
             <a:ext cx="0" cy="245052"/>
           </a:xfrm>
           <a:prstGeom prst="straightConnector1">
@@ -5337,7 +5342,7 @@
         </p:nvSpPr>
         <p:spPr>
           <a:xfrm>
-            <a:off x="4071435" y="1995697"/>
+            <a:off x="4452435" y="2833897"/>
             <a:ext cx="510397" cy="346760"/>
           </a:xfrm>
           <a:prstGeom prst="rect">
@@ -5399,7 +5404,7 @@
         </p:nvCxnSpPr>
         <p:spPr>
           <a:xfrm>
-            <a:off x="3880105" y="2164666"/>
+            <a:off x="4261105" y="3002866"/>
             <a:ext cx="191330" cy="4411"/>
           </a:xfrm>
           <a:prstGeom prst="straightConnector1">
@@ -5438,7 +5443,7 @@
         </p:nvCxnSpPr>
         <p:spPr>
           <a:xfrm flipV="1">
-            <a:off x="4130715" y="2338046"/>
+            <a:off x="4511715" y="3176246"/>
             <a:ext cx="0" cy="245052"/>
           </a:xfrm>
           <a:prstGeom prst="straightConnector1">
@@ -5477,7 +5482,7 @@
         </p:nvSpPr>
         <p:spPr>
           <a:xfrm flipH="1">
-            <a:off x="6178025" y="720040"/>
+            <a:off x="6559025" y="1558240"/>
             <a:ext cx="1093635" cy="346760"/>
           </a:xfrm>
           <a:prstGeom prst="rect">
@@ -5515,15 +5520,7 @@
                   <a:srgbClr val="0070C0"/>
                 </a:solidFill>
               </a:rPr>
-              <a:t>Edit</a:t>
-            </a:r>
-            <a:r>
-              <a:rPr lang="en-US" sz="1050" b="1" dirty="0" err="1" smtClean="0">
-                <a:solidFill>
-                  <a:srgbClr val="0070C0"/>
-                </a:solidFill>
-              </a:rPr>
-              <a:t>Command</a:t>
+              <a:t>EditCommand</a:t>
             </a:r>
             <a:endParaRPr lang="en-SG" sz="1050" b="1" dirty="0">
               <a:solidFill>
@@ -5544,7 +5541,7 @@
         </p:nvCxnSpPr>
         <p:spPr>
           <a:xfrm flipV="1">
-            <a:off x="5867400" y="893420"/>
+            <a:off x="6248400" y="1731620"/>
             <a:ext cx="310625" cy="1815190"/>
           </a:xfrm>
           <a:prstGeom prst="bentConnector3">
@@ -5584,7 +5581,7 @@
         </p:nvSpPr>
         <p:spPr>
           <a:xfrm flipH="1">
-            <a:off x="6178024" y="1101040"/>
+            <a:off x="6559024" y="1939240"/>
             <a:ext cx="1093635" cy="346760"/>
           </a:xfrm>
           <a:prstGeom prst="rect">
@@ -5643,7 +5640,7 @@
         </p:nvCxnSpPr>
         <p:spPr>
           <a:xfrm flipV="1">
-            <a:off x="5867400" y="1274420"/>
+            <a:off x="6248400" y="2112620"/>
             <a:ext cx="310624" cy="1434190"/>
           </a:xfrm>
           <a:prstGeom prst="bentConnector3">
@@ -5683,7 +5680,7 @@
         </p:nvSpPr>
         <p:spPr>
           <a:xfrm flipH="1">
-            <a:off x="6187678" y="1482040"/>
+            <a:off x="6568678" y="2320240"/>
             <a:ext cx="1093635" cy="346760"/>
           </a:xfrm>
           <a:prstGeom prst="rect">
@@ -5742,7 +5739,7 @@
         </p:nvCxnSpPr>
         <p:spPr>
           <a:xfrm flipV="1">
-            <a:off x="5867400" y="1655420"/>
+            <a:off x="6248400" y="2493620"/>
             <a:ext cx="320278" cy="1053190"/>
           </a:xfrm>
           <a:prstGeom prst="bentConnector3">
@@ -5782,7 +5779,7 @@
         </p:nvSpPr>
         <p:spPr>
           <a:xfrm flipH="1">
-            <a:off x="6185390" y="1863040"/>
+            <a:off x="6566390" y="2701240"/>
             <a:ext cx="1093635" cy="346760"/>
           </a:xfrm>
           <a:prstGeom prst="rect">
@@ -5841,7 +5838,7 @@
         </p:nvCxnSpPr>
         <p:spPr>
           <a:xfrm flipV="1">
-            <a:off x="5867400" y="2036420"/>
+            <a:off x="6248400" y="2874620"/>
             <a:ext cx="317990" cy="672190"/>
           </a:xfrm>
           <a:prstGeom prst="bentConnector3">
@@ -5881,7 +5878,7 @@
         </p:nvSpPr>
         <p:spPr>
           <a:xfrm flipH="1">
-            <a:off x="6185390" y="2244040"/>
+            <a:off x="6566390" y="3082240"/>
             <a:ext cx="1093635" cy="346760"/>
           </a:xfrm>
           <a:prstGeom prst="rect">
@@ -5919,15 +5916,7 @@
                   <a:srgbClr val="0070C0"/>
                 </a:solidFill>
               </a:rPr>
-              <a:t>Select</a:t>
-            </a:r>
-            <a:r>
-              <a:rPr lang="en-US" sz="1050" b="1" dirty="0" err="1" smtClean="0">
-                <a:solidFill>
-                  <a:srgbClr val="0070C0"/>
-                </a:solidFill>
-              </a:rPr>
-              <a:t>Command</a:t>
+              <a:t>SelectCommand</a:t>
             </a:r>
             <a:endParaRPr lang="en-SG" sz="1050" b="1" dirty="0">
               <a:solidFill>
@@ -5948,7 +5937,7 @@
         </p:nvCxnSpPr>
         <p:spPr>
           <a:xfrm flipV="1">
-            <a:off x="5867400" y="2417420"/>
+            <a:off x="6248400" y="3255620"/>
             <a:ext cx="317990" cy="291190"/>
           </a:xfrm>
           <a:prstGeom prst="bentConnector3">
@@ -5988,7 +5977,7 @@
         </p:nvSpPr>
         <p:spPr>
           <a:xfrm flipH="1">
-            <a:off x="6194184" y="2654917"/>
+            <a:off x="6575184" y="3493117"/>
             <a:ext cx="1093635" cy="346760"/>
           </a:xfrm>
           <a:prstGeom prst="rect">
@@ -6047,7 +6036,7 @@
         </p:nvCxnSpPr>
         <p:spPr>
           <a:xfrm>
-            <a:off x="5867400" y="2708610"/>
+            <a:off x="6248400" y="3546810"/>
             <a:ext cx="326784" cy="119687"/>
           </a:xfrm>
           <a:prstGeom prst="bentConnector3">
